--- a/Conflict-Driven.pptx
+++ b/Conflict-Driven.pptx
@@ -5420,8 +5420,8 @@
           </a:p>
         </p:txBody>
       </p:sp>
-      <mc:AlternateContent xmlns:mc="http://schemas.openxmlformats.org/markup-compatibility/2006">
-        <mc:Choice xmlns:a14="http://schemas.microsoft.com/office/drawing/2010/main" Requires="a14">
+      <mc:AlternateContent xmlns:mc="http://schemas.openxmlformats.org/markup-compatibility/2006" xmlns:a14="http://schemas.microsoft.com/office/drawing/2010/main">
+        <mc:Choice Requires="a14">
           <p:graphicFrame>
             <p:nvGraphicFramePr>
               <p:cNvPr id="54" name="表格 54">
@@ -6174,7 +6174,7 @@
             </a:graphic>
           </p:graphicFrame>
         </mc:Choice>
-        <mc:Fallback>
+        <mc:Fallback xmlns="">
           <p:graphicFrame>
             <p:nvGraphicFramePr>
               <p:cNvPr id="54" name="表格 54">
@@ -7896,8 +7896,8 @@
           </a:p>
         </p:txBody>
       </p:sp>
-      <mc:AlternateContent xmlns:mc="http://schemas.openxmlformats.org/markup-compatibility/2006">
-        <mc:Choice xmlns:a14="http://schemas.microsoft.com/office/drawing/2010/main" Requires="a14">
+      <mc:AlternateContent xmlns:mc="http://schemas.openxmlformats.org/markup-compatibility/2006" xmlns:a14="http://schemas.microsoft.com/office/drawing/2010/main">
+        <mc:Choice Requires="a14">
           <p:graphicFrame>
             <p:nvGraphicFramePr>
               <p:cNvPr id="54" name="表格 54">
@@ -8783,7 +8783,7 @@
             </a:graphic>
           </p:graphicFrame>
         </mc:Choice>
-        <mc:Fallback>
+        <mc:Fallback xmlns="">
           <p:graphicFrame>
             <p:nvGraphicFramePr>
               <p:cNvPr id="54" name="表格 54">
@@ -12249,7 +12249,26 @@
                 <a:ea typeface="SimSun" panose="02010600030101010101" pitchFamily="2" charset="-122"/>
                 <a:cs typeface="Arial" panose="020B0604020202020204" pitchFamily="34" charset="0"/>
               </a:rPr>
-              <a:t>, often by constraining some attributes of non-terminals.</a:t>
+              <a:t>, often by constraining some </a:t>
+            </a:r>
+            <a:r>
+              <a:rPr kumimoji="1" lang="en-US" altLang="zh-CN" sz="2800" dirty="0">
+                <a:solidFill>
+                  <a:srgbClr val="FF0000"/>
+                </a:solidFill>
+                <a:latin typeface="Arial" panose="020B0604020202020204" pitchFamily="34" charset="0"/>
+                <a:ea typeface="SimSun" panose="02010600030101010101" pitchFamily="2" charset="-122"/>
+                <a:cs typeface="Arial" panose="020B0604020202020204" pitchFamily="34" charset="0"/>
+              </a:rPr>
+              <a:t>attributes</a:t>
+            </a:r>
+            <a:r>
+              <a:rPr kumimoji="1" lang="en-US" altLang="zh-CN" sz="2800" dirty="0">
+                <a:latin typeface="Arial" panose="020B0604020202020204" pitchFamily="34" charset="0"/>
+                <a:ea typeface="SimSun" panose="02010600030101010101" pitchFamily="2" charset="-122"/>
+                <a:cs typeface="Arial" panose="020B0604020202020204" pitchFamily="34" charset="0"/>
+              </a:rPr>
+              <a:t> of non-terminals.</a:t>
             </a:r>
           </a:p>
           <a:p>
@@ -12316,8 +12335,8 @@
           </a:p>
         </p:txBody>
       </p:sp>
-      <mc:AlternateContent xmlns:mc="http://schemas.openxmlformats.org/markup-compatibility/2006">
-        <mc:Choice xmlns:a14="http://schemas.microsoft.com/office/drawing/2010/main" Requires="a14">
+      <mc:AlternateContent xmlns:mc="http://schemas.openxmlformats.org/markup-compatibility/2006" xmlns:a14="http://schemas.microsoft.com/office/drawing/2010/main">
+        <mc:Choice Requires="a14">
           <p:graphicFrame>
             <p:nvGraphicFramePr>
               <p:cNvPr id="3" name="表格 3">
@@ -13112,7 +13131,7 @@
             </a:graphic>
           </p:graphicFrame>
         </mc:Choice>
-        <mc:Fallback>
+        <mc:Fallback xmlns="">
           <p:graphicFrame>
             <p:nvGraphicFramePr>
               <p:cNvPr id="3" name="表格 3">
@@ -14933,8 +14952,8 @@
           </a:p>
         </p:txBody>
       </p:sp>
-      <mc:AlternateContent xmlns:mc="http://schemas.openxmlformats.org/markup-compatibility/2006">
-        <mc:Choice xmlns:a14="http://schemas.microsoft.com/office/drawing/2010/main" Requires="a14">
+      <mc:AlternateContent xmlns:mc="http://schemas.openxmlformats.org/markup-compatibility/2006" xmlns:a14="http://schemas.microsoft.com/office/drawing/2010/main">
+        <mc:Choice Requires="a14">
           <p:graphicFrame>
             <p:nvGraphicFramePr>
               <p:cNvPr id="54" name="表格 54">
@@ -15608,7 +15627,7 @@
             </a:graphic>
           </p:graphicFrame>
         </mc:Choice>
-        <mc:Fallback>
+        <mc:Fallback xmlns="">
           <p:graphicFrame>
             <p:nvGraphicFramePr>
               <p:cNvPr id="54" name="表格 54">
@@ -17493,8 +17512,8 @@
           </a:p>
         </p:txBody>
       </p:sp>
-      <mc:AlternateContent xmlns:mc="http://schemas.openxmlformats.org/markup-compatibility/2006">
-        <mc:Choice xmlns:a14="http://schemas.microsoft.com/office/drawing/2010/main" Requires="a14">
+      <mc:AlternateContent xmlns:mc="http://schemas.openxmlformats.org/markup-compatibility/2006" xmlns:a14="http://schemas.microsoft.com/office/drawing/2010/main">
+        <mc:Choice Requires="a14">
           <p:sp>
             <p:nvSpPr>
               <p:cNvPr id="4" name="文本框 3">
@@ -17523,6 +17542,7 @@
               </a:bodyPr>
               <a:lstStyle/>
               <a:p>
+                <a:pPr/>
                 <a14:m>
                   <m:oMathPara xmlns:m="http://schemas.openxmlformats.org/officeDocument/2006/math">
                     <m:oMathParaPr>
@@ -17718,7 +17738,7 @@
             </p:txBody>
           </p:sp>
         </mc:Choice>
-        <mc:Fallback>
+        <mc:Fallback xmlns="">
           <p:sp>
             <p:nvSpPr>
               <p:cNvPr id="4" name="文本框 3">
